--- a/res/project/Презентация - Стенд для автоматизированного измерения теплоёмкости твёрдого тела.pptx
+++ b/res/project/Презентация - Стенд для автоматизированного измерения теплоёмкости твёрдого тела.pptx
@@ -2004,7 +2004,7 @@
           <a:p>
             <a:fld id="{00C7A9EB-CAF5-492D-A0C7-6602B56F58AA}" type="datetimeFigureOut">
               <a:rPr lang="ru-RU" smtClean="0"/>
-              <a:t>15.11.2022</a:t>
+              <a:t>17.02.2023</a:t>
             </a:fld>
             <a:endParaRPr lang="ru-RU"/>
           </a:p>
@@ -2255,7 +2255,7 @@
           <a:p>
             <a:fld id="{00C7A9EB-CAF5-492D-A0C7-6602B56F58AA}" type="datetimeFigureOut">
               <a:rPr lang="ru-RU" smtClean="0"/>
-              <a:t>15.11.2022</a:t>
+              <a:t>17.02.2023</a:t>
             </a:fld>
             <a:endParaRPr lang="ru-RU"/>
           </a:p>
@@ -2569,7 +2569,7 @@
           <a:p>
             <a:fld id="{00C7A9EB-CAF5-492D-A0C7-6602B56F58AA}" type="datetimeFigureOut">
               <a:rPr lang="ru-RU" smtClean="0"/>
-              <a:t>15.11.2022</a:t>
+              <a:t>17.02.2023</a:t>
             </a:fld>
             <a:endParaRPr lang="ru-RU"/>
           </a:p>
@@ -2910,7 +2910,7 @@
           <a:p>
             <a:fld id="{00C7A9EB-CAF5-492D-A0C7-6602B56F58AA}" type="datetimeFigureOut">
               <a:rPr lang="ru-RU" smtClean="0"/>
-              <a:t>15.11.2022</a:t>
+              <a:t>17.02.2023</a:t>
             </a:fld>
             <a:endParaRPr lang="ru-RU"/>
           </a:p>
@@ -3224,7 +3224,7 @@
           <a:p>
             <a:fld id="{00C7A9EB-CAF5-492D-A0C7-6602B56F58AA}" type="datetimeFigureOut">
               <a:rPr lang="ru-RU" smtClean="0"/>
-              <a:t>15.11.2022</a:t>
+              <a:t>17.02.2023</a:t>
             </a:fld>
             <a:endParaRPr lang="ru-RU"/>
           </a:p>
@@ -3617,7 +3617,7 @@
           <a:p>
             <a:fld id="{00C7A9EB-CAF5-492D-A0C7-6602B56F58AA}" type="datetimeFigureOut">
               <a:rPr lang="ru-RU" smtClean="0"/>
-              <a:t>15.11.2022</a:t>
+              <a:t>17.02.2023</a:t>
             </a:fld>
             <a:endParaRPr lang="ru-RU"/>
           </a:p>
@@ -3787,7 +3787,7 @@
           <a:p>
             <a:fld id="{00C7A9EB-CAF5-492D-A0C7-6602B56F58AA}" type="datetimeFigureOut">
               <a:rPr lang="ru-RU" smtClean="0"/>
-              <a:t>15.11.2022</a:t>
+              <a:t>17.02.2023</a:t>
             </a:fld>
             <a:endParaRPr lang="ru-RU"/>
           </a:p>
@@ -3967,7 +3967,7 @@
           <a:p>
             <a:fld id="{00C7A9EB-CAF5-492D-A0C7-6602B56F58AA}" type="datetimeFigureOut">
               <a:rPr lang="ru-RU" smtClean="0"/>
-              <a:t>15.11.2022</a:t>
+              <a:t>17.02.2023</a:t>
             </a:fld>
             <a:endParaRPr lang="ru-RU"/>
           </a:p>
@@ -4143,7 +4143,7 @@
           <a:p>
             <a:fld id="{00C7A9EB-CAF5-492D-A0C7-6602B56F58AA}" type="datetimeFigureOut">
               <a:rPr lang="ru-RU" smtClean="0"/>
-              <a:t>15.11.2022</a:t>
+              <a:t>17.02.2023</a:t>
             </a:fld>
             <a:endParaRPr lang="ru-RU"/>
           </a:p>
@@ -4390,7 +4390,7 @@
           <a:p>
             <a:fld id="{00C7A9EB-CAF5-492D-A0C7-6602B56F58AA}" type="datetimeFigureOut">
               <a:rPr lang="ru-RU" smtClean="0"/>
-              <a:t>15.11.2022</a:t>
+              <a:t>17.02.2023</a:t>
             </a:fld>
             <a:endParaRPr lang="ru-RU"/>
           </a:p>
@@ -4622,7 +4622,7 @@
           <a:p>
             <a:fld id="{00C7A9EB-CAF5-492D-A0C7-6602B56F58AA}" type="datetimeFigureOut">
               <a:rPr lang="ru-RU" smtClean="0"/>
-              <a:t>15.11.2022</a:t>
+              <a:t>17.02.2023</a:t>
             </a:fld>
             <a:endParaRPr lang="ru-RU"/>
           </a:p>
@@ -4996,7 +4996,7 @@
           <a:p>
             <a:fld id="{00C7A9EB-CAF5-492D-A0C7-6602B56F58AA}" type="datetimeFigureOut">
               <a:rPr lang="ru-RU" smtClean="0"/>
-              <a:t>15.11.2022</a:t>
+              <a:t>17.02.2023</a:t>
             </a:fld>
             <a:endParaRPr lang="ru-RU"/>
           </a:p>
@@ -5119,7 +5119,7 @@
           <a:p>
             <a:fld id="{00C7A9EB-CAF5-492D-A0C7-6602B56F58AA}" type="datetimeFigureOut">
               <a:rPr lang="ru-RU" smtClean="0"/>
-              <a:t>15.11.2022</a:t>
+              <a:t>17.02.2023</a:t>
             </a:fld>
             <a:endParaRPr lang="ru-RU"/>
           </a:p>
@@ -5214,7 +5214,7 @@
           <a:p>
             <a:fld id="{00C7A9EB-CAF5-492D-A0C7-6602B56F58AA}" type="datetimeFigureOut">
               <a:rPr lang="ru-RU" smtClean="0"/>
-              <a:t>15.11.2022</a:t>
+              <a:t>17.02.2023</a:t>
             </a:fld>
             <a:endParaRPr lang="ru-RU"/>
           </a:p>
@@ -5469,7 +5469,7 @@
           <a:p>
             <a:fld id="{00C7A9EB-CAF5-492D-A0C7-6602B56F58AA}" type="datetimeFigureOut">
               <a:rPr lang="ru-RU" smtClean="0"/>
-              <a:t>15.11.2022</a:t>
+              <a:t>17.02.2023</a:t>
             </a:fld>
             <a:endParaRPr lang="ru-RU"/>
           </a:p>
@@ -5732,7 +5732,7 @@
           <a:p>
             <a:fld id="{00C7A9EB-CAF5-492D-A0C7-6602B56F58AA}" type="datetimeFigureOut">
               <a:rPr lang="ru-RU" smtClean="0"/>
-              <a:t>15.11.2022</a:t>
+              <a:t>17.02.2023</a:t>
             </a:fld>
             <a:endParaRPr lang="ru-RU"/>
           </a:p>
@@ -6475,7 +6475,7 @@
           <a:p>
             <a:fld id="{00C7A9EB-CAF5-492D-A0C7-6602B56F58AA}" type="datetimeFigureOut">
               <a:rPr lang="ru-RU" smtClean="0"/>
-              <a:t>15.11.2022</a:t>
+              <a:t>17.02.2023</a:t>
             </a:fld>
             <a:endParaRPr lang="ru-RU"/>
           </a:p>
@@ -9091,7 +9091,7 @@
         <p:spPr>
           <a:xfrm>
             <a:off x="420346" y="920377"/>
-            <a:ext cx="9258226" cy="1015663"/>
+            <a:ext cx="9340342" cy="1323439"/>
           </a:xfrm>
           <a:prstGeom prst="rect">
             <a:avLst/>
@@ -9104,35 +9104,30 @@
           </a:bodyPr>
           <a:lstStyle/>
           <a:p>
-            <a:pPr algn="justLow"/>
+            <a:r>
+              <a:rPr lang="ru-RU" sz="2000" dirty="0"/>
+              <a:t>Все результаты проекта свободно доступны для скачивания на моем </a:t>
+            </a:r>
+            <a:r>
+              <a:rPr lang="en-US" sz="2000" dirty="0"/>
+              <a:t>GitHub</a:t>
+            </a:r>
             <a:r>
               <a:rPr lang="ru-RU" sz="2000"/>
-              <a:t>Все результаты проекта свободно доступны для скачивания на моем </a:t>
-            </a:r>
-            <a:r>
-              <a:rPr lang="en-US" sz="2000"/>
-              <a:t>GitHub</a:t>
-            </a:r>
-            <a:r>
-              <a:rPr lang="ru-RU" sz="2000"/>
-              <a:t> репозитории : </a:t>
-            </a:r>
-            <a:r>
-              <a:rPr lang="en-US" sz="2000">
+              <a:t> репозитории:</a:t>
+            </a:r>
+            <a:br>
+              <a:rPr lang="en-US" sz="2000" dirty="0"/>
+            </a:br>
+            <a:r>
+              <a:rPr lang="en-US" sz="2000" dirty="0">
                 <a:solidFill>
                   <a:srgbClr val="0070C0"/>
                 </a:solidFill>
-                <a:hlinkClick r:id="rId2">
-                  <a:extLst>
-                    <a:ext uri="{A12FA001-AC4F-418D-AE19-62706E023703}">
-                      <ahyp:hlinkClr xmlns:ahyp="http://schemas.microsoft.com/office/drawing/2018/hyperlinkcolor" val="tx"/>
-                    </a:ext>
-                  </a:extLst>
-                </a:hlinkClick>
-              </a:rPr>
-              <a:t>https://github.com/konstantin-ki/Physics-heat-capacity</a:t>
-            </a:r>
-            <a:endParaRPr lang="ru-RU" sz="2000">
+              </a:rPr>
+              <a:t>https://github.com/konstantin-ki/Physics-heat-capacity/tree/ver2</a:t>
+            </a:r>
+            <a:endParaRPr lang="ru-RU" sz="2000" dirty="0">
               <a:solidFill>
                 <a:srgbClr val="0070C0"/>
               </a:solidFill>
@@ -9140,7 +9135,7 @@
           </a:p>
           <a:p>
             <a:pPr algn="justLow"/>
-            <a:endParaRPr lang="ru-RU" sz="2000"/>
+            <a:endParaRPr lang="ru-RU" sz="2000" dirty="0"/>
           </a:p>
         </p:txBody>
       </p:sp>
@@ -9159,14 +9154,14 @@
           <p:nvPr/>
         </p:nvPicPr>
         <p:blipFill>
-          <a:blip r:embed="rId3"/>
+          <a:blip r:embed="rId2"/>
           <a:stretch>
             <a:fillRect/>
           </a:stretch>
         </p:blipFill>
         <p:spPr>
           <a:xfrm>
-            <a:off x="420346" y="1936040"/>
+            <a:off x="420346" y="2283373"/>
             <a:ext cx="8579527" cy="3786580"/>
           </a:xfrm>
           <a:prstGeom prst="rect">
